--- a/Slides_final.pptx
+++ b/Slides_final.pptx
@@ -5,7 +5,7 @@
     <p:sldMasterId id="2147483648" r:id="rId1"/>
   </p:sldMasterIdLst>
   <p:notesMasterIdLst>
-    <p:notesMasterId r:id="rId15"/>
+    <p:notesMasterId r:id="rId16"/>
   </p:notesMasterIdLst>
   <p:sldIdLst>
     <p:sldId id="256" r:id="rId2"/>
@@ -14,13 +14,14 @@
     <p:sldId id="259" r:id="rId5"/>
     <p:sldId id="260" r:id="rId6"/>
     <p:sldId id="261" r:id="rId7"/>
-    <p:sldId id="267" r:id="rId8"/>
-    <p:sldId id="268" r:id="rId9"/>
-    <p:sldId id="269" r:id="rId10"/>
-    <p:sldId id="262" r:id="rId11"/>
-    <p:sldId id="263" r:id="rId12"/>
-    <p:sldId id="264" r:id="rId13"/>
-    <p:sldId id="265" r:id="rId14"/>
+    <p:sldId id="270" r:id="rId8"/>
+    <p:sldId id="267" r:id="rId9"/>
+    <p:sldId id="268" r:id="rId10"/>
+    <p:sldId id="269" r:id="rId11"/>
+    <p:sldId id="262" r:id="rId12"/>
+    <p:sldId id="263" r:id="rId13"/>
+    <p:sldId id="264" r:id="rId14"/>
+    <p:sldId id="265" r:id="rId15"/>
   </p:sldIdLst>
   <p:sldSz cx="9144000" cy="6858000" type="screen4x3"/>
   <p:notesSz cx="6858000" cy="9144000"/>
@@ -2361,6 +2362,600 @@
       </p:grpSpPr>
       <p:sp>
         <p:nvSpPr>
+          <p:cNvPr id="46" name="Slide Number"/>
+          <p:cNvSpPr txBox="1">
+            <a:spLocks noGrp="1"/>
+          </p:cNvSpPr>
+          <p:nvPr>
+            <p:ph type="sldNum" sz="quarter" idx="2"/>
+          </p:nvPr>
+        </p:nvSpPr>
+        <p:spPr>
+          <a:xfrm>
+            <a:off x="8509994" y="6477000"/>
+            <a:ext cx="176807" cy="231140"/>
+          </a:xfrm>
+          <a:prstGeom prst="rect">
+            <a:avLst/>
+          </a:prstGeom>
+          <a:extLst>
+            <a:ext uri="{C572A759-6A51-4108-AA02-DFA0A04FC94B}">
+              <ma14:wrappingTextBoxFlag xmlns:ma14="http://schemas.microsoft.com/office/mac/drawingml/2011/main" val="1"/>
+            </a:ext>
+          </a:extLst>
+        </p:spPr>
+        <p:txBody>
+          <a:bodyPr/>
+          <a:lstStyle/>
+          <a:p>
+            <a:fld id="{86CB4B4D-7CA3-9044-876B-883B54F8677D}" type="slidenum">
+              <a:t>10</a:t>
+            </a:fld>
+            <a:endParaRPr/>
+          </a:p>
+        </p:txBody>
+      </p:sp>
+      <p:sp>
+        <p:nvSpPr>
+          <p:cNvPr id="47" name="&lt;Your project name&gt;"/>
+          <p:cNvSpPr txBox="1">
+            <a:spLocks noGrp="1"/>
+          </p:cNvSpPr>
+          <p:nvPr>
+            <p:ph type="title"/>
+          </p:nvPr>
+        </p:nvSpPr>
+        <p:spPr>
+          <a:prstGeom prst="rect">
+            <a:avLst/>
+          </a:prstGeom>
+        </p:spPr>
+        <p:txBody>
+          <a:bodyPr/>
+          <a:lstStyle>
+            <a:lvl1pPr>
+              <a:defRPr>
+                <a:solidFill>
+                  <a:srgbClr val="FF0000"/>
+                </a:solidFill>
+                <a:latin typeface="Century"/>
+                <a:ea typeface="Century"/>
+                <a:cs typeface="Century"/>
+                <a:sym typeface="Century"/>
+              </a:defRPr>
+            </a:lvl1pPr>
+          </a:lstStyle>
+          <a:p>
+            <a:r>
+              <a:rPr lang="en-US" dirty="0">
+                <a:solidFill>
+                  <a:schemeClr val="tx1"/>
+                </a:solidFill>
+                <a:latin typeface="Century" charset="0"/>
+                <a:ea typeface="Century" charset="0"/>
+                <a:cs typeface="Century" charset="0"/>
+              </a:rPr>
+              <a:t>Your Neighborhood Finder</a:t>
+            </a:r>
+            <a:endParaRPr dirty="0"/>
+          </a:p>
+        </p:txBody>
+      </p:sp>
+      <p:sp>
+        <p:nvSpPr>
+          <p:cNvPr id="48" name="Experiments/Results…"/>
+          <p:cNvSpPr txBox="1">
+            <a:spLocks noGrp="1"/>
+          </p:cNvSpPr>
+          <p:nvPr>
+            <p:ph type="body" idx="1"/>
+          </p:nvPr>
+        </p:nvSpPr>
+        <p:spPr>
+          <a:xfrm>
+            <a:off x="571499" y="1130300"/>
+            <a:ext cx="7785101" cy="5346700"/>
+          </a:xfrm>
+          <a:prstGeom prst="rect">
+            <a:avLst/>
+          </a:prstGeom>
+        </p:spPr>
+        <p:txBody>
+          <a:bodyPr/>
+          <a:lstStyle/>
+          <a:p>
+            <a:pPr>
+              <a:lnSpc>
+                <a:spcPct val="80000"/>
+              </a:lnSpc>
+              <a:buSzTx/>
+              <a:buFont typeface="Wingdings"/>
+              <a:buNone/>
+              <a:defRPr sz="200" b="1"/>
+            </a:pPr>
+            <a:endParaRPr dirty="0"/>
+          </a:p>
+          <a:p>
+            <a:pPr marL="0" indent="0">
+              <a:spcBef>
+                <a:spcPts val="600"/>
+              </a:spcBef>
+              <a:buSzTx/>
+              <a:buFont typeface="Wingdings"/>
+              <a:buNone/>
+              <a:defRPr sz="2800">
+                <a:latin typeface="Century"/>
+                <a:ea typeface="Century"/>
+                <a:cs typeface="Century"/>
+                <a:sym typeface="Century"/>
+              </a:defRPr>
+            </a:pPr>
+            <a:r>
+              <a:rPr lang="en-US" altLang="zh-CN" dirty="0" smtClean="0"/>
+              <a:t>Predict</a:t>
+            </a:r>
+            <a:r>
+              <a:rPr lang="zh-CN" altLang="en-US" dirty="0" smtClean="0"/>
+              <a:t> </a:t>
+            </a:r>
+            <a:r>
+              <a:rPr lang="en-US" altLang="zh-CN" dirty="0" smtClean="0"/>
+              <a:t>Example</a:t>
+            </a:r>
+            <a:r>
+              <a:rPr lang="zh-CN" altLang="en-US" dirty="0" smtClean="0"/>
+              <a:t> </a:t>
+            </a:r>
+            <a:r>
+              <a:rPr lang="en-US" altLang="zh-CN" dirty="0" smtClean="0"/>
+              <a:t>3:</a:t>
+            </a:r>
+            <a:endParaRPr lang="en-US" dirty="0" smtClean="0"/>
+          </a:p>
+          <a:p>
+            <a:pPr marL="0" indent="0">
+              <a:spcBef>
+                <a:spcPts val="600"/>
+              </a:spcBef>
+              <a:buSzTx/>
+              <a:buFont typeface="Wingdings"/>
+              <a:buNone/>
+              <a:defRPr sz="2800">
+                <a:latin typeface="Century"/>
+                <a:ea typeface="Century"/>
+                <a:cs typeface="Century"/>
+                <a:sym typeface="Century"/>
+              </a:defRPr>
+            </a:pPr>
+            <a:endParaRPr lang="en-US" altLang="zh-CN" sz="1800" dirty="0" smtClean="0">
+              <a:latin typeface="Century" charset="0"/>
+              <a:ea typeface="Century" charset="0"/>
+              <a:cs typeface="Century" charset="0"/>
+            </a:endParaRPr>
+          </a:p>
+        </p:txBody>
+      </p:sp>
+      <p:sp>
+        <p:nvSpPr>
+          <p:cNvPr id="6" name="TextBox 5"/>
+          <p:cNvSpPr txBox="1"/>
+          <p:nvPr/>
+        </p:nvSpPr>
+        <p:spPr>
+          <a:xfrm>
+            <a:off x="3866334" y="5391756"/>
+            <a:ext cx="4214813" cy="738662"/>
+          </a:xfrm>
+          <a:prstGeom prst="rect">
+            <a:avLst/>
+          </a:prstGeom>
+          <a:noFill/>
+          <a:ln w="12700" cap="flat">
+            <a:noFill/>
+            <a:miter lim="400000"/>
+          </a:ln>
+          <a:effectLst/>
+          <a:sp3d/>
+        </p:spPr>
+        <p:style>
+          <a:lnRef idx="0">
+            <a:scrgbClr r="0" g="0" b="0"/>
+          </a:lnRef>
+          <a:fillRef idx="0">
+            <a:scrgbClr r="0" g="0" b="0"/>
+          </a:fillRef>
+          <a:effectRef idx="0">
+            <a:scrgbClr r="0" g="0" b="0"/>
+          </a:effectRef>
+          <a:fontRef idx="none"/>
+        </p:style>
+        <p:txBody>
+          <a:bodyPr rot="0" spcFirstLastPara="1" vertOverflow="overflow" horzOverflow="overflow" vert="horz" wrap="square" lIns="45719" tIns="45719" rIns="45719" bIns="45719" numCol="1" spcCol="38100" rtlCol="0" anchor="t">
+            <a:spAutoFit/>
+          </a:bodyPr>
+          <a:lstStyle/>
+          <a:p>
+            <a:pPr marL="285750" marR="0" indent="-285750" algn="l" defTabSz="914400" rtl="0" fontAlgn="auto" latinLnBrk="0" hangingPunct="0">
+              <a:lnSpc>
+                <a:spcPct val="100000"/>
+              </a:lnSpc>
+              <a:spcBef>
+                <a:spcPts val="0"/>
+              </a:spcBef>
+              <a:spcAft>
+                <a:spcPts val="0"/>
+              </a:spcAft>
+              <a:buClrTx/>
+              <a:buSzTx/>
+              <a:buFont typeface="Wingdings" charset="2"/>
+              <a:buChar char="v"/>
+              <a:tabLst/>
+            </a:pPr>
+            <a:r>
+              <a:rPr lang="en-US" altLang="zh-CN" dirty="0" smtClean="0">
+                <a:latin typeface="Century" charset="0"/>
+                <a:ea typeface="Century" charset="0"/>
+                <a:cs typeface="Century" charset="0"/>
+              </a:rPr>
+              <a:t>The</a:t>
+            </a:r>
+            <a:r>
+              <a:rPr lang="zh-CN" altLang="en-US" dirty="0" smtClean="0">
+                <a:latin typeface="Century" charset="0"/>
+                <a:ea typeface="Century" charset="0"/>
+                <a:cs typeface="Century" charset="0"/>
+              </a:rPr>
+              <a:t> </a:t>
+            </a:r>
+            <a:r>
+              <a:rPr lang="en-US" altLang="zh-CN" dirty="0" smtClean="0">
+                <a:latin typeface="Century" charset="0"/>
+                <a:ea typeface="Century" charset="0"/>
+                <a:cs typeface="Century" charset="0"/>
+              </a:rPr>
+              <a:t>recommendation</a:t>
+            </a:r>
+            <a:r>
+              <a:rPr lang="zh-CN" altLang="en-US" dirty="0" smtClean="0">
+                <a:latin typeface="Century" charset="0"/>
+                <a:ea typeface="Century" charset="0"/>
+                <a:cs typeface="Century" charset="0"/>
+              </a:rPr>
+              <a:t> </a:t>
+            </a:r>
+            <a:r>
+              <a:rPr lang="en-US" altLang="zh-CN" dirty="0" smtClean="0">
+                <a:latin typeface="Century" charset="0"/>
+                <a:ea typeface="Century" charset="0"/>
+                <a:cs typeface="Century" charset="0"/>
+              </a:rPr>
+              <a:t>result</a:t>
+            </a:r>
+            <a:r>
+              <a:rPr lang="zh-CN" altLang="en-US" dirty="0" smtClean="0">
+                <a:latin typeface="Century" charset="0"/>
+                <a:ea typeface="Century" charset="0"/>
+                <a:cs typeface="Century" charset="0"/>
+              </a:rPr>
+              <a:t> </a:t>
+            </a:r>
+            <a:r>
+              <a:rPr lang="en-US" altLang="zh-CN" dirty="0" smtClean="0">
+                <a:latin typeface="Century" charset="0"/>
+                <a:ea typeface="Century" charset="0"/>
+                <a:cs typeface="Century" charset="0"/>
+              </a:rPr>
+              <a:t>are</a:t>
+            </a:r>
+            <a:r>
+              <a:rPr lang="zh-CN" altLang="en-US" dirty="0" smtClean="0">
+                <a:latin typeface="Century" charset="0"/>
+                <a:ea typeface="Century" charset="0"/>
+                <a:cs typeface="Century" charset="0"/>
+              </a:rPr>
+              <a:t> </a:t>
+            </a:r>
+            <a:r>
+              <a:rPr lang="en-US" altLang="zh-CN" dirty="0" smtClean="0">
+                <a:latin typeface="Century" charset="0"/>
+                <a:ea typeface="Century" charset="0"/>
+                <a:cs typeface="Century" charset="0"/>
+              </a:rPr>
+              <a:t>cities</a:t>
+            </a:r>
+            <a:r>
+              <a:rPr lang="zh-CN" altLang="en-US" dirty="0" smtClean="0">
+                <a:latin typeface="Century" charset="0"/>
+                <a:ea typeface="Century" charset="0"/>
+                <a:cs typeface="Century" charset="0"/>
+              </a:rPr>
+              <a:t> </a:t>
+            </a:r>
+            <a:r>
+              <a:rPr lang="en-US" altLang="zh-CN" dirty="0" smtClean="0">
+                <a:latin typeface="Century" charset="0"/>
+                <a:ea typeface="Century" charset="0"/>
+                <a:cs typeface="Century" charset="0"/>
+              </a:rPr>
+              <a:t>with</a:t>
+            </a:r>
+            <a:r>
+              <a:rPr lang="zh-CN" altLang="en-US" dirty="0" smtClean="0">
+                <a:latin typeface="Century" charset="0"/>
+                <a:ea typeface="Century" charset="0"/>
+                <a:cs typeface="Century" charset="0"/>
+              </a:rPr>
+              <a:t> </a:t>
+            </a:r>
+            <a:r>
+              <a:rPr lang="en-US" altLang="zh-CN" dirty="0" smtClean="0">
+                <a:latin typeface="Century" charset="0"/>
+                <a:ea typeface="Century" charset="0"/>
+                <a:cs typeface="Century" charset="0"/>
+              </a:rPr>
+              <a:t>mostly</a:t>
+            </a:r>
+            <a:r>
+              <a:rPr lang="zh-CN" altLang="en-US" dirty="0" smtClean="0">
+                <a:latin typeface="Century" charset="0"/>
+                <a:ea typeface="Century" charset="0"/>
+                <a:cs typeface="Century" charset="0"/>
+              </a:rPr>
+              <a:t> </a:t>
+            </a:r>
+            <a:r>
+              <a:rPr lang="en-US" altLang="zh-CN" dirty="0" smtClean="0">
+                <a:latin typeface="Century" charset="0"/>
+                <a:ea typeface="Century" charset="0"/>
+                <a:cs typeface="Century" charset="0"/>
+              </a:rPr>
+              <a:t>white</a:t>
+            </a:r>
+            <a:r>
+              <a:rPr lang="zh-CN" altLang="en-US" dirty="0" smtClean="0">
+                <a:latin typeface="Century" charset="0"/>
+                <a:ea typeface="Century" charset="0"/>
+                <a:cs typeface="Century" charset="0"/>
+              </a:rPr>
+              <a:t> </a:t>
+            </a:r>
+            <a:r>
+              <a:rPr lang="en-US" altLang="zh-CN" dirty="0" smtClean="0">
+                <a:latin typeface="Century" charset="0"/>
+                <a:ea typeface="Century" charset="0"/>
+                <a:cs typeface="Century" charset="0"/>
+              </a:rPr>
+              <a:t>population</a:t>
+            </a:r>
+            <a:r>
+              <a:rPr lang="zh-CN" altLang="en-US" dirty="0" smtClean="0">
+                <a:latin typeface="Century" charset="0"/>
+                <a:ea typeface="Century" charset="0"/>
+                <a:cs typeface="Century" charset="0"/>
+              </a:rPr>
+              <a:t> </a:t>
+            </a:r>
+            <a:r>
+              <a:rPr lang="en-US" altLang="zh-CN" dirty="0" smtClean="0">
+                <a:latin typeface="Century" charset="0"/>
+                <a:ea typeface="Century" charset="0"/>
+                <a:cs typeface="Century" charset="0"/>
+              </a:rPr>
+              <a:t>and</a:t>
+            </a:r>
+            <a:r>
+              <a:rPr lang="zh-CN" altLang="en-US" dirty="0" smtClean="0">
+                <a:latin typeface="Century" charset="0"/>
+                <a:ea typeface="Century" charset="0"/>
+                <a:cs typeface="Century" charset="0"/>
+              </a:rPr>
+              <a:t> </a:t>
+            </a:r>
+            <a:r>
+              <a:rPr lang="en-US" altLang="zh-CN" dirty="0" smtClean="0">
+                <a:latin typeface="Century" charset="0"/>
+                <a:ea typeface="Century" charset="0"/>
+                <a:cs typeface="Century" charset="0"/>
+              </a:rPr>
+              <a:t>youth,</a:t>
+            </a:r>
+            <a:r>
+              <a:rPr lang="zh-CN" altLang="en-US" dirty="0" smtClean="0">
+                <a:latin typeface="Century" charset="0"/>
+                <a:ea typeface="Century" charset="0"/>
+                <a:cs typeface="Century" charset="0"/>
+              </a:rPr>
+              <a:t> </a:t>
+            </a:r>
+            <a:r>
+              <a:rPr lang="en-US" altLang="zh-CN" dirty="0" smtClean="0">
+                <a:latin typeface="Century" charset="0"/>
+                <a:ea typeface="Century" charset="0"/>
+                <a:cs typeface="Century" charset="0"/>
+              </a:rPr>
+              <a:t>whose</a:t>
+            </a:r>
+            <a:r>
+              <a:rPr lang="zh-CN" altLang="en-US" dirty="0" smtClean="0">
+                <a:latin typeface="Century" charset="0"/>
+                <a:ea typeface="Century" charset="0"/>
+                <a:cs typeface="Century" charset="0"/>
+              </a:rPr>
+              <a:t> </a:t>
+            </a:r>
+            <a:r>
+              <a:rPr lang="en-US" altLang="zh-CN" dirty="0" smtClean="0">
+                <a:latin typeface="Century" charset="0"/>
+                <a:ea typeface="Century" charset="0"/>
+                <a:cs typeface="Century" charset="0"/>
+              </a:rPr>
+              <a:t>local</a:t>
+            </a:r>
+            <a:r>
+              <a:rPr lang="zh-CN" altLang="en-US" dirty="0" smtClean="0">
+                <a:latin typeface="Century" charset="0"/>
+                <a:ea typeface="Century" charset="0"/>
+                <a:cs typeface="Century" charset="0"/>
+              </a:rPr>
+              <a:t> </a:t>
+            </a:r>
+            <a:r>
+              <a:rPr lang="en-US" altLang="zh-CN" dirty="0" smtClean="0">
+                <a:latin typeface="Century" charset="0"/>
+                <a:ea typeface="Century" charset="0"/>
+                <a:cs typeface="Century" charset="0"/>
+              </a:rPr>
+              <a:t>economy</a:t>
+            </a:r>
+            <a:r>
+              <a:rPr lang="zh-CN" altLang="en-US" dirty="0" smtClean="0">
+                <a:latin typeface="Century" charset="0"/>
+                <a:ea typeface="Century" charset="0"/>
+                <a:cs typeface="Century" charset="0"/>
+              </a:rPr>
+              <a:t> </a:t>
+            </a:r>
+            <a:r>
+              <a:rPr lang="en-US" altLang="zh-CN" dirty="0" smtClean="0">
+                <a:latin typeface="Century" charset="0"/>
+                <a:ea typeface="Century" charset="0"/>
+                <a:cs typeface="Century" charset="0"/>
+              </a:rPr>
+              <a:t>is</a:t>
+            </a:r>
+            <a:r>
+              <a:rPr lang="zh-CN" altLang="en-US" dirty="0" smtClean="0">
+                <a:latin typeface="Century" charset="0"/>
+                <a:ea typeface="Century" charset="0"/>
+                <a:cs typeface="Century" charset="0"/>
+              </a:rPr>
+              <a:t> </a:t>
+            </a:r>
+            <a:r>
+              <a:rPr lang="en-US" altLang="zh-CN" dirty="0" smtClean="0">
+                <a:latin typeface="Century" charset="0"/>
+                <a:ea typeface="Century" charset="0"/>
+                <a:cs typeface="Century" charset="0"/>
+              </a:rPr>
+              <a:t>under-developing</a:t>
+            </a:r>
+            <a:endParaRPr kumimoji="0" lang="en-US" sz="1400" b="0" i="0" u="none" strike="noStrike" cap="none" spc="0" normalizeH="0" baseline="0" dirty="0">
+              <a:ln>
+                <a:noFill/>
+              </a:ln>
+              <a:solidFill>
+                <a:srgbClr val="000000"/>
+              </a:solidFill>
+              <a:effectLst/>
+              <a:uFillTx/>
+              <a:latin typeface="Century" charset="0"/>
+              <a:ea typeface="Century" charset="0"/>
+              <a:cs typeface="Century" charset="0"/>
+              <a:sym typeface="Arial"/>
+            </a:endParaRPr>
+          </a:p>
+        </p:txBody>
+      </p:sp>
+      <p:pic>
+        <p:nvPicPr>
+          <p:cNvPr id="2" name="Picture 1"/>
+          <p:cNvPicPr>
+            <a:picLocks noChangeAspect="1"/>
+          </p:cNvPicPr>
+          <p:nvPr/>
+        </p:nvPicPr>
+        <p:blipFill>
+          <a:blip r:embed="rId3" cstate="print">
+            <a:extLst>
+              <a:ext uri="{28A0092B-C50C-407E-A947-70E740481C1C}">
+                <a14:useLocalDpi xmlns:a14="http://schemas.microsoft.com/office/drawing/2010/main" val="0"/>
+              </a:ext>
+            </a:extLst>
+          </a:blip>
+          <a:stretch>
+            <a:fillRect/>
+          </a:stretch>
+        </p:blipFill>
+        <p:spPr>
+          <a:xfrm>
+            <a:off x="502106" y="1788450"/>
+            <a:ext cx="2832246" cy="4688550"/>
+          </a:xfrm>
+          <a:prstGeom prst="rect">
+            <a:avLst/>
+          </a:prstGeom>
+        </p:spPr>
+      </p:pic>
+      <p:pic>
+        <p:nvPicPr>
+          <p:cNvPr id="5" name="Picture 4"/>
+          <p:cNvPicPr>
+            <a:picLocks noChangeAspect="1"/>
+          </p:cNvPicPr>
+          <p:nvPr/>
+        </p:nvPicPr>
+        <p:blipFill>
+          <a:blip r:embed="rId4">
+            <a:extLst>
+              <a:ext uri="{28A0092B-C50C-407E-A947-70E740481C1C}">
+                <a14:useLocalDpi xmlns:a14="http://schemas.microsoft.com/office/drawing/2010/main" val="0"/>
+              </a:ext>
+            </a:extLst>
+          </a:blip>
+          <a:stretch>
+            <a:fillRect/>
+          </a:stretch>
+        </p:blipFill>
+        <p:spPr>
+          <a:xfrm>
+            <a:off x="3597878" y="1829985"/>
+            <a:ext cx="5000519" cy="3422072"/>
+          </a:xfrm>
+          <a:prstGeom prst="rect">
+            <a:avLst/>
+          </a:prstGeom>
+        </p:spPr>
+      </p:pic>
+    </p:spTree>
+    <p:extLst>
+      <p:ext uri="{BB962C8B-B14F-4D97-AF65-F5344CB8AC3E}">
+        <p14:creationId xmlns:p14="http://schemas.microsoft.com/office/powerpoint/2010/main" val="1792518323"/>
+      </p:ext>
+    </p:extLst>
+  </p:cSld>
+  <p:clrMapOvr>
+    <a:masterClrMapping/>
+  </p:clrMapOvr>
+  <p:transition spd="med"/>
+  <p:timing>
+    <p:tnLst>
+      <p:par>
+        <p:cTn id="1" dur="indefinite" restart="never" nodeType="tmRoot"/>
+      </p:par>
+    </p:tnLst>
+  </p:timing>
+</p:sld>
+</file>
+
+<file path=ppt/slides/slide11.xml><?xml version="1.0" encoding="utf-8"?>
+<p:sld xmlns:a="http://schemas.openxmlformats.org/drawingml/2006/main" xmlns:r="http://schemas.openxmlformats.org/officeDocument/2006/relationships" xmlns:p="http://schemas.openxmlformats.org/presentationml/2006/main">
+  <p:cSld>
+    <p:spTree>
+      <p:nvGrpSpPr>
+        <p:cNvPr id="1" name=""/>
+        <p:cNvGrpSpPr/>
+        <p:nvPr/>
+      </p:nvGrpSpPr>
+      <p:grpSpPr>
+        <a:xfrm>
+          <a:off x="0" y="0"/>
+          <a:ext cx="0" cy="0"/>
+          <a:chOff x="0" y="0"/>
+          <a:chExt cx="0" cy="0"/>
+        </a:xfrm>
+      </p:grpSpPr>
+      <p:sp>
+        <p:nvSpPr>
           <p:cNvPr id="50" name="Slide Number"/>
           <p:cNvSpPr txBox="1">
             <a:spLocks noGrp="1"/>
@@ -2388,7 +2983,7 @@
           <a:lstStyle/>
           <a:p>
             <a:fld id="{86CB4B4D-7CA3-9044-876B-883B54F8677D}" type="slidenum">
-              <a:t>10</a:t>
+              <a:t>11</a:t>
             </a:fld>
             <a:endParaRPr/>
           </a:p>
@@ -3086,7 +3681,7 @@
 </p:sld>
 </file>
 
-<file path=ppt/slides/slide11.xml><?xml version="1.0" encoding="utf-8"?>
+<file path=ppt/slides/slide12.xml><?xml version="1.0" encoding="utf-8"?>
 <p:sld xmlns:a="http://schemas.openxmlformats.org/drawingml/2006/main" xmlns:r="http://schemas.openxmlformats.org/officeDocument/2006/relationships" xmlns:p="http://schemas.openxmlformats.org/presentationml/2006/main">
   <p:cSld>
     <p:spTree>
@@ -3132,7 +3727,7 @@
           <a:lstStyle/>
           <a:p>
             <a:fld id="{86CB4B4D-7CA3-9044-876B-883B54F8677D}" type="slidenum">
-              <a:t>11</a:t>
+              <a:t>12</a:t>
             </a:fld>
             <a:endParaRPr/>
           </a:p>
@@ -3686,7 +4281,7 @@
 </p:sld>
 </file>
 
-<file path=ppt/slides/slide12.xml><?xml version="1.0" encoding="utf-8"?>
+<file path=ppt/slides/slide13.xml><?xml version="1.0" encoding="utf-8"?>
 <p:sld xmlns:a="http://schemas.openxmlformats.org/drawingml/2006/main" xmlns:r="http://schemas.openxmlformats.org/officeDocument/2006/relationships" xmlns:p="http://schemas.openxmlformats.org/presentationml/2006/main">
   <p:cSld>
     <p:spTree>
@@ -3732,7 +4327,7 @@
           <a:lstStyle/>
           <a:p>
             <a:fld id="{86CB4B4D-7CA3-9044-876B-883B54F8677D}" type="slidenum">
-              <a:t>12</a:t>
+              <a:t>13</a:t>
             </a:fld>
             <a:endParaRPr/>
           </a:p>
@@ -4755,7 +5350,7 @@
 </p:sld>
 </file>
 
-<file path=ppt/slides/slide13.xml><?xml version="1.0" encoding="utf-8"?>
+<file path=ppt/slides/slide14.xml><?xml version="1.0" encoding="utf-8"?>
 <p:sld xmlns:a="http://schemas.openxmlformats.org/drawingml/2006/main" xmlns:r="http://schemas.openxmlformats.org/officeDocument/2006/relationships" xmlns:p="http://schemas.openxmlformats.org/presentationml/2006/main">
   <p:cSld>
     <p:spTree>
@@ -4797,7 +5392,7 @@
           <a:lstStyle/>
           <a:p>
             <a:fld id="{86CB4B4D-7CA3-9044-876B-883B54F8677D}" type="slidenum">
-              <a:t>13</a:t>
+              <a:t>14</a:t>
             </a:fld>
             <a:endParaRPr/>
           </a:p>
@@ -8862,6 +9457,323 @@
       </p:grpSpPr>
       <p:sp>
         <p:nvSpPr>
+          <p:cNvPr id="47" name="&lt;Your project name&gt;"/>
+          <p:cNvSpPr txBox="1">
+            <a:spLocks noGrp="1"/>
+          </p:cNvSpPr>
+          <p:nvPr>
+            <p:ph type="title"/>
+          </p:nvPr>
+        </p:nvSpPr>
+        <p:spPr>
+          <a:prstGeom prst="rect">
+            <a:avLst/>
+          </a:prstGeom>
+        </p:spPr>
+        <p:txBody>
+          <a:bodyPr/>
+          <a:lstStyle>
+            <a:lvl1pPr>
+              <a:defRPr>
+                <a:solidFill>
+                  <a:srgbClr val="FF0000"/>
+                </a:solidFill>
+                <a:latin typeface="Century"/>
+                <a:ea typeface="Century"/>
+                <a:cs typeface="Century"/>
+                <a:sym typeface="Century"/>
+              </a:defRPr>
+            </a:lvl1pPr>
+          </a:lstStyle>
+          <a:p>
+            <a:r>
+              <a:rPr lang="en-US" dirty="0">
+                <a:solidFill>
+                  <a:schemeClr val="tx1"/>
+                </a:solidFill>
+                <a:latin typeface="Century" charset="0"/>
+                <a:ea typeface="Century" charset="0"/>
+                <a:cs typeface="Century" charset="0"/>
+              </a:rPr>
+              <a:t>Your Neighborhood Finder</a:t>
+            </a:r>
+            <a:endParaRPr dirty="0"/>
+          </a:p>
+        </p:txBody>
+      </p:sp>
+      <p:sp>
+        <p:nvSpPr>
+          <p:cNvPr id="48" name="Experiments/Results…"/>
+          <p:cNvSpPr txBox="1">
+            <a:spLocks noGrp="1"/>
+          </p:cNvSpPr>
+          <p:nvPr>
+            <p:ph type="body" idx="1"/>
+          </p:nvPr>
+        </p:nvSpPr>
+        <p:spPr>
+          <a:xfrm>
+            <a:off x="571499" y="1130300"/>
+            <a:ext cx="8370370" cy="5346700"/>
+          </a:xfrm>
+          <a:prstGeom prst="rect">
+            <a:avLst/>
+          </a:prstGeom>
+        </p:spPr>
+        <p:txBody>
+          <a:bodyPr/>
+          <a:lstStyle/>
+          <a:p>
+            <a:pPr>
+              <a:lnSpc>
+                <a:spcPct val="80000"/>
+              </a:lnSpc>
+              <a:buSzTx/>
+              <a:buFont typeface="Wingdings"/>
+              <a:buNone/>
+              <a:defRPr sz="200" b="1"/>
+            </a:pPr>
+            <a:endParaRPr dirty="0"/>
+          </a:p>
+          <a:p>
+            <a:pPr marL="0" indent="0" algn="ctr">
+              <a:spcBef>
+                <a:spcPts val="600"/>
+              </a:spcBef>
+              <a:buSzTx/>
+              <a:buFont typeface="Wingdings"/>
+              <a:buNone/>
+              <a:defRPr sz="2800">
+                <a:latin typeface="Century"/>
+                <a:ea typeface="Century"/>
+                <a:cs typeface="Century"/>
+                <a:sym typeface="Century"/>
+              </a:defRPr>
+            </a:pPr>
+            <a:endParaRPr lang="en-US" altLang="zh-CN" dirty="0" smtClean="0"/>
+          </a:p>
+          <a:p>
+            <a:pPr marL="0" indent="0" algn="ctr">
+              <a:spcBef>
+                <a:spcPts val="600"/>
+              </a:spcBef>
+              <a:buSzTx/>
+              <a:buFont typeface="Wingdings"/>
+              <a:buNone/>
+              <a:defRPr sz="2800">
+                <a:latin typeface="Century"/>
+                <a:ea typeface="Century"/>
+                <a:cs typeface="Century"/>
+                <a:sym typeface="Century"/>
+              </a:defRPr>
+            </a:pPr>
+            <a:endParaRPr lang="en-US" altLang="zh-CN" dirty="0"/>
+          </a:p>
+          <a:p>
+            <a:pPr marL="0" indent="0" algn="ctr">
+              <a:spcBef>
+                <a:spcPts val="600"/>
+              </a:spcBef>
+              <a:buSzTx/>
+              <a:buFont typeface="Wingdings"/>
+              <a:buNone/>
+              <a:defRPr sz="2800">
+                <a:latin typeface="Century"/>
+                <a:ea typeface="Century"/>
+                <a:cs typeface="Century"/>
+                <a:sym typeface="Century"/>
+              </a:defRPr>
+            </a:pPr>
+            <a:endParaRPr lang="en-US" altLang="zh-CN" dirty="0" smtClean="0"/>
+          </a:p>
+          <a:p>
+            <a:pPr marL="0" indent="0" algn="ctr">
+              <a:spcBef>
+                <a:spcPts val="600"/>
+              </a:spcBef>
+              <a:buSzTx/>
+              <a:buFont typeface="Wingdings"/>
+              <a:buNone/>
+              <a:defRPr sz="2800">
+                <a:latin typeface="Century"/>
+                <a:ea typeface="Century"/>
+                <a:cs typeface="Century"/>
+                <a:sym typeface="Century"/>
+              </a:defRPr>
+            </a:pPr>
+            <a:r>
+              <a:rPr lang="en-US" altLang="zh-CN" sz="4800" dirty="0" smtClean="0"/>
+              <a:t>DEMO PART!</a:t>
+            </a:r>
+            <a:endParaRPr lang="en-US" sz="4800" dirty="0"/>
+          </a:p>
+          <a:p>
+            <a:pPr marL="0" indent="0" algn="ctr">
+              <a:spcBef>
+                <a:spcPts val="400"/>
+              </a:spcBef>
+              <a:buSzTx/>
+              <a:buNone/>
+              <a:defRPr sz="2000">
+                <a:latin typeface="Century"/>
+                <a:ea typeface="Century"/>
+                <a:cs typeface="Century"/>
+                <a:sym typeface="Century"/>
+              </a:defRPr>
+            </a:pPr>
+            <a:endParaRPr lang="en-US" sz="1400" dirty="0" smtClean="0"/>
+          </a:p>
+          <a:p>
+            <a:pPr marL="0" indent="0" algn="ctr">
+              <a:spcBef>
+                <a:spcPts val="400"/>
+              </a:spcBef>
+              <a:buSzTx/>
+              <a:buNone/>
+              <a:defRPr sz="2000">
+                <a:latin typeface="Century"/>
+                <a:ea typeface="Century"/>
+                <a:cs typeface="Century"/>
+                <a:sym typeface="Century"/>
+              </a:defRPr>
+            </a:pPr>
+            <a:endParaRPr lang="en-US" sz="1400" dirty="0" smtClean="0"/>
+          </a:p>
+          <a:p>
+            <a:pPr marL="0" indent="0" algn="ctr">
+              <a:spcBef>
+                <a:spcPts val="400"/>
+              </a:spcBef>
+              <a:buSzTx/>
+              <a:buNone/>
+              <a:defRPr sz="2000">
+                <a:latin typeface="Century"/>
+                <a:ea typeface="Century"/>
+                <a:cs typeface="Century"/>
+                <a:sym typeface="Century"/>
+              </a:defRPr>
+            </a:pPr>
+            <a:r>
+              <a:rPr lang="en-US" sz="2000" dirty="0" smtClean="0"/>
+              <a:t>NYU </a:t>
+            </a:r>
+            <a:r>
+              <a:rPr lang="en-US" sz="2000" dirty="0"/>
+              <a:t>CIMS (Currently running</a:t>
+            </a:r>
+            <a:r>
+              <a:rPr lang="en-US" sz="2000" dirty="0" smtClean="0"/>
+              <a:t>):</a:t>
+            </a:r>
+          </a:p>
+          <a:p>
+            <a:pPr marL="0" indent="0" algn="ctr">
+              <a:spcBef>
+                <a:spcPts val="400"/>
+              </a:spcBef>
+              <a:buSzTx/>
+              <a:buNone/>
+              <a:defRPr sz="2000">
+                <a:latin typeface="Century"/>
+                <a:ea typeface="Century"/>
+                <a:cs typeface="Century"/>
+                <a:sym typeface="Century"/>
+              </a:defRPr>
+            </a:pPr>
+            <a:r>
+              <a:rPr lang="en-US" sz="2000" dirty="0" smtClean="0">
+                <a:hlinkClick r:id="rId2"/>
+              </a:rPr>
+              <a:t>http</a:t>
+            </a:r>
+            <a:r>
+              <a:rPr lang="en-US" sz="2000" dirty="0">
+                <a:hlinkClick r:id="rId2"/>
+              </a:rPr>
+              <a:t>://linserv2.cims.nyu.edu:26292</a:t>
+            </a:r>
+            <a:endParaRPr lang="en-US" sz="2000" dirty="0"/>
+          </a:p>
+          <a:p>
+            <a:pPr marL="0" indent="0">
+              <a:spcBef>
+                <a:spcPts val="400"/>
+              </a:spcBef>
+              <a:buSzTx/>
+              <a:buFont typeface="Wingdings"/>
+              <a:buNone/>
+              <a:defRPr sz="2000">
+                <a:latin typeface="Century"/>
+                <a:ea typeface="Century"/>
+                <a:cs typeface="Century"/>
+                <a:sym typeface="Century"/>
+              </a:defRPr>
+            </a:pPr>
+            <a:endParaRPr lang="en-US" sz="2000" dirty="0" smtClean="0"/>
+          </a:p>
+          <a:p>
+            <a:pPr marL="0" indent="0">
+              <a:spcBef>
+                <a:spcPts val="600"/>
+              </a:spcBef>
+              <a:buSzTx/>
+              <a:buFont typeface="Wingdings"/>
+              <a:buNone/>
+              <a:defRPr sz="2800">
+                <a:latin typeface="Century"/>
+                <a:ea typeface="Century"/>
+                <a:cs typeface="Century"/>
+                <a:sym typeface="Century"/>
+              </a:defRPr>
+            </a:pPr>
+            <a:endParaRPr lang="en-US" altLang="zh-CN" sz="1800" dirty="0" smtClean="0">
+              <a:latin typeface="Century" charset="0"/>
+              <a:ea typeface="Century" charset="0"/>
+              <a:cs typeface="Century" charset="0"/>
+            </a:endParaRPr>
+          </a:p>
+        </p:txBody>
+      </p:sp>
+    </p:spTree>
+    <p:extLst>
+      <p:ext uri="{BB962C8B-B14F-4D97-AF65-F5344CB8AC3E}">
+        <p14:creationId xmlns:p14="http://schemas.microsoft.com/office/powerpoint/2010/main" val="490109231"/>
+      </p:ext>
+    </p:extLst>
+  </p:cSld>
+  <p:clrMapOvr>
+    <a:masterClrMapping/>
+  </p:clrMapOvr>
+  <p:transition spd="med"/>
+  <p:timing>
+    <p:tnLst>
+      <p:par>
+        <p:cTn id="1" dur="indefinite" restart="never" nodeType="tmRoot"/>
+      </p:par>
+    </p:tnLst>
+  </p:timing>
+</p:sld>
+</file>
+
+<file path=ppt/slides/slide8.xml><?xml version="1.0" encoding="utf-8"?>
+<p:sld xmlns:a="http://schemas.openxmlformats.org/drawingml/2006/main" xmlns:r="http://schemas.openxmlformats.org/officeDocument/2006/relationships" xmlns:p="http://schemas.openxmlformats.org/presentationml/2006/main">
+  <p:cSld>
+    <p:spTree>
+      <p:nvGrpSpPr>
+        <p:cNvPr id="1" name=""/>
+        <p:cNvGrpSpPr/>
+        <p:nvPr/>
+      </p:nvGrpSpPr>
+      <p:grpSpPr>
+        <a:xfrm>
+          <a:off x="0" y="0"/>
+          <a:ext cx="0" cy="0"/>
+          <a:chOff x="0" y="0"/>
+          <a:chExt cx="0" cy="0"/>
+        </a:xfrm>
+      </p:grpSpPr>
+      <p:sp>
+        <p:nvSpPr>
           <p:cNvPr id="46" name="Slide Number"/>
           <p:cNvSpPr txBox="1">
             <a:spLocks noGrp="1"/>
@@ -8889,7 +9801,7 @@
           <a:lstStyle/>
           <a:p>
             <a:fld id="{86CB4B4D-7CA3-9044-876B-883B54F8677D}" type="slidenum">
-              <a:t>7</a:t>
+              <a:t>8</a:t>
             </a:fld>
             <a:endParaRPr/>
           </a:p>
@@ -9590,7 +10502,7 @@
 </p:sld>
 </file>
 
-<file path=ppt/slides/slide8.xml><?xml version="1.0" encoding="utf-8"?>
+<file path=ppt/slides/slide9.xml><?xml version="1.0" encoding="utf-8"?>
 <p:sld xmlns:a="http://schemas.openxmlformats.org/drawingml/2006/main" xmlns:r="http://schemas.openxmlformats.org/officeDocument/2006/relationships" xmlns:p="http://schemas.openxmlformats.org/presentationml/2006/main">
   <p:cSld>
     <p:spTree>
@@ -9636,7 +10548,7 @@
           <a:lstStyle/>
           <a:p>
             <a:fld id="{86CB4B4D-7CA3-9044-876B-883B54F8677D}" type="slidenum">
-              <a:t>8</a:t>
+              <a:t>9</a:t>
             </a:fld>
             <a:endParaRPr/>
           </a:p>
@@ -10183,600 +11095,6 @@
     <p:extLst>
       <p:ext uri="{BB962C8B-B14F-4D97-AF65-F5344CB8AC3E}">
         <p14:creationId xmlns:p14="http://schemas.microsoft.com/office/powerpoint/2010/main" val="1494131340"/>
-      </p:ext>
-    </p:extLst>
-  </p:cSld>
-  <p:clrMapOvr>
-    <a:masterClrMapping/>
-  </p:clrMapOvr>
-  <p:transition spd="med"/>
-  <p:timing>
-    <p:tnLst>
-      <p:par>
-        <p:cTn id="1" dur="indefinite" restart="never" nodeType="tmRoot"/>
-      </p:par>
-    </p:tnLst>
-  </p:timing>
-</p:sld>
-</file>
-
-<file path=ppt/slides/slide9.xml><?xml version="1.0" encoding="utf-8"?>
-<p:sld xmlns:a="http://schemas.openxmlformats.org/drawingml/2006/main" xmlns:r="http://schemas.openxmlformats.org/officeDocument/2006/relationships" xmlns:p="http://schemas.openxmlformats.org/presentationml/2006/main">
-  <p:cSld>
-    <p:spTree>
-      <p:nvGrpSpPr>
-        <p:cNvPr id="1" name=""/>
-        <p:cNvGrpSpPr/>
-        <p:nvPr/>
-      </p:nvGrpSpPr>
-      <p:grpSpPr>
-        <a:xfrm>
-          <a:off x="0" y="0"/>
-          <a:ext cx="0" cy="0"/>
-          <a:chOff x="0" y="0"/>
-          <a:chExt cx="0" cy="0"/>
-        </a:xfrm>
-      </p:grpSpPr>
-      <p:sp>
-        <p:nvSpPr>
-          <p:cNvPr id="46" name="Slide Number"/>
-          <p:cNvSpPr txBox="1">
-            <a:spLocks noGrp="1"/>
-          </p:cNvSpPr>
-          <p:nvPr>
-            <p:ph type="sldNum" sz="quarter" idx="2"/>
-          </p:nvPr>
-        </p:nvSpPr>
-        <p:spPr>
-          <a:xfrm>
-            <a:off x="8509994" y="6477000"/>
-            <a:ext cx="176807" cy="231140"/>
-          </a:xfrm>
-          <a:prstGeom prst="rect">
-            <a:avLst/>
-          </a:prstGeom>
-          <a:extLst>
-            <a:ext uri="{C572A759-6A51-4108-AA02-DFA0A04FC94B}">
-              <ma14:wrappingTextBoxFlag xmlns:ma14="http://schemas.microsoft.com/office/mac/drawingml/2011/main" val="1"/>
-            </a:ext>
-          </a:extLst>
-        </p:spPr>
-        <p:txBody>
-          <a:bodyPr/>
-          <a:lstStyle/>
-          <a:p>
-            <a:fld id="{86CB4B4D-7CA3-9044-876B-883B54F8677D}" type="slidenum">
-              <a:t>9</a:t>
-            </a:fld>
-            <a:endParaRPr/>
-          </a:p>
-        </p:txBody>
-      </p:sp>
-      <p:sp>
-        <p:nvSpPr>
-          <p:cNvPr id="47" name="&lt;Your project name&gt;"/>
-          <p:cNvSpPr txBox="1">
-            <a:spLocks noGrp="1"/>
-          </p:cNvSpPr>
-          <p:nvPr>
-            <p:ph type="title"/>
-          </p:nvPr>
-        </p:nvSpPr>
-        <p:spPr>
-          <a:prstGeom prst="rect">
-            <a:avLst/>
-          </a:prstGeom>
-        </p:spPr>
-        <p:txBody>
-          <a:bodyPr/>
-          <a:lstStyle>
-            <a:lvl1pPr>
-              <a:defRPr>
-                <a:solidFill>
-                  <a:srgbClr val="FF0000"/>
-                </a:solidFill>
-                <a:latin typeface="Century"/>
-                <a:ea typeface="Century"/>
-                <a:cs typeface="Century"/>
-                <a:sym typeface="Century"/>
-              </a:defRPr>
-            </a:lvl1pPr>
-          </a:lstStyle>
-          <a:p>
-            <a:r>
-              <a:rPr lang="en-US" dirty="0">
-                <a:solidFill>
-                  <a:schemeClr val="tx1"/>
-                </a:solidFill>
-                <a:latin typeface="Century" charset="0"/>
-                <a:ea typeface="Century" charset="0"/>
-                <a:cs typeface="Century" charset="0"/>
-              </a:rPr>
-              <a:t>Your Neighborhood Finder</a:t>
-            </a:r>
-            <a:endParaRPr dirty="0"/>
-          </a:p>
-        </p:txBody>
-      </p:sp>
-      <p:sp>
-        <p:nvSpPr>
-          <p:cNvPr id="48" name="Experiments/Results…"/>
-          <p:cNvSpPr txBox="1">
-            <a:spLocks noGrp="1"/>
-          </p:cNvSpPr>
-          <p:nvPr>
-            <p:ph type="body" idx="1"/>
-          </p:nvPr>
-        </p:nvSpPr>
-        <p:spPr>
-          <a:xfrm>
-            <a:off x="571499" y="1130300"/>
-            <a:ext cx="7785101" cy="5346700"/>
-          </a:xfrm>
-          <a:prstGeom prst="rect">
-            <a:avLst/>
-          </a:prstGeom>
-        </p:spPr>
-        <p:txBody>
-          <a:bodyPr/>
-          <a:lstStyle/>
-          <a:p>
-            <a:pPr>
-              <a:lnSpc>
-                <a:spcPct val="80000"/>
-              </a:lnSpc>
-              <a:buSzTx/>
-              <a:buFont typeface="Wingdings"/>
-              <a:buNone/>
-              <a:defRPr sz="200" b="1"/>
-            </a:pPr>
-            <a:endParaRPr dirty="0"/>
-          </a:p>
-          <a:p>
-            <a:pPr marL="0" indent="0">
-              <a:spcBef>
-                <a:spcPts val="600"/>
-              </a:spcBef>
-              <a:buSzTx/>
-              <a:buFont typeface="Wingdings"/>
-              <a:buNone/>
-              <a:defRPr sz="2800">
-                <a:latin typeface="Century"/>
-                <a:ea typeface="Century"/>
-                <a:cs typeface="Century"/>
-                <a:sym typeface="Century"/>
-              </a:defRPr>
-            </a:pPr>
-            <a:r>
-              <a:rPr lang="en-US" altLang="zh-CN" dirty="0" smtClean="0"/>
-              <a:t>Predict</a:t>
-            </a:r>
-            <a:r>
-              <a:rPr lang="zh-CN" altLang="en-US" dirty="0" smtClean="0"/>
-              <a:t> </a:t>
-            </a:r>
-            <a:r>
-              <a:rPr lang="en-US" altLang="zh-CN" dirty="0" smtClean="0"/>
-              <a:t>Example</a:t>
-            </a:r>
-            <a:r>
-              <a:rPr lang="zh-CN" altLang="en-US" dirty="0" smtClean="0"/>
-              <a:t> </a:t>
-            </a:r>
-            <a:r>
-              <a:rPr lang="en-US" altLang="zh-CN" dirty="0" smtClean="0"/>
-              <a:t>3:</a:t>
-            </a:r>
-            <a:endParaRPr lang="en-US" dirty="0" smtClean="0"/>
-          </a:p>
-          <a:p>
-            <a:pPr marL="0" indent="0">
-              <a:spcBef>
-                <a:spcPts val="600"/>
-              </a:spcBef>
-              <a:buSzTx/>
-              <a:buFont typeface="Wingdings"/>
-              <a:buNone/>
-              <a:defRPr sz="2800">
-                <a:latin typeface="Century"/>
-                <a:ea typeface="Century"/>
-                <a:cs typeface="Century"/>
-                <a:sym typeface="Century"/>
-              </a:defRPr>
-            </a:pPr>
-            <a:endParaRPr lang="en-US" altLang="zh-CN" sz="1800" dirty="0" smtClean="0">
-              <a:latin typeface="Century" charset="0"/>
-              <a:ea typeface="Century" charset="0"/>
-              <a:cs typeface="Century" charset="0"/>
-            </a:endParaRPr>
-          </a:p>
-        </p:txBody>
-      </p:sp>
-      <p:sp>
-        <p:nvSpPr>
-          <p:cNvPr id="6" name="TextBox 5"/>
-          <p:cNvSpPr txBox="1"/>
-          <p:nvPr/>
-        </p:nvSpPr>
-        <p:spPr>
-          <a:xfrm>
-            <a:off x="3866334" y="5391756"/>
-            <a:ext cx="4214813" cy="738662"/>
-          </a:xfrm>
-          <a:prstGeom prst="rect">
-            <a:avLst/>
-          </a:prstGeom>
-          <a:noFill/>
-          <a:ln w="12700" cap="flat">
-            <a:noFill/>
-            <a:miter lim="400000"/>
-          </a:ln>
-          <a:effectLst/>
-          <a:sp3d/>
-        </p:spPr>
-        <p:style>
-          <a:lnRef idx="0">
-            <a:scrgbClr r="0" g="0" b="0"/>
-          </a:lnRef>
-          <a:fillRef idx="0">
-            <a:scrgbClr r="0" g="0" b="0"/>
-          </a:fillRef>
-          <a:effectRef idx="0">
-            <a:scrgbClr r="0" g="0" b="0"/>
-          </a:effectRef>
-          <a:fontRef idx="none"/>
-        </p:style>
-        <p:txBody>
-          <a:bodyPr rot="0" spcFirstLastPara="1" vertOverflow="overflow" horzOverflow="overflow" vert="horz" wrap="square" lIns="45719" tIns="45719" rIns="45719" bIns="45719" numCol="1" spcCol="38100" rtlCol="0" anchor="t">
-            <a:spAutoFit/>
-          </a:bodyPr>
-          <a:lstStyle/>
-          <a:p>
-            <a:pPr marL="285750" marR="0" indent="-285750" algn="l" defTabSz="914400" rtl="0" fontAlgn="auto" latinLnBrk="0" hangingPunct="0">
-              <a:lnSpc>
-                <a:spcPct val="100000"/>
-              </a:lnSpc>
-              <a:spcBef>
-                <a:spcPts val="0"/>
-              </a:spcBef>
-              <a:spcAft>
-                <a:spcPts val="0"/>
-              </a:spcAft>
-              <a:buClrTx/>
-              <a:buSzTx/>
-              <a:buFont typeface="Wingdings" charset="2"/>
-              <a:buChar char="v"/>
-              <a:tabLst/>
-            </a:pPr>
-            <a:r>
-              <a:rPr lang="en-US" altLang="zh-CN" dirty="0" smtClean="0">
-                <a:latin typeface="Century" charset="0"/>
-                <a:ea typeface="Century" charset="0"/>
-                <a:cs typeface="Century" charset="0"/>
-              </a:rPr>
-              <a:t>The</a:t>
-            </a:r>
-            <a:r>
-              <a:rPr lang="zh-CN" altLang="en-US" dirty="0" smtClean="0">
-                <a:latin typeface="Century" charset="0"/>
-                <a:ea typeface="Century" charset="0"/>
-                <a:cs typeface="Century" charset="0"/>
-              </a:rPr>
-              <a:t> </a:t>
-            </a:r>
-            <a:r>
-              <a:rPr lang="en-US" altLang="zh-CN" dirty="0" smtClean="0">
-                <a:latin typeface="Century" charset="0"/>
-                <a:ea typeface="Century" charset="0"/>
-                <a:cs typeface="Century" charset="0"/>
-              </a:rPr>
-              <a:t>recommendation</a:t>
-            </a:r>
-            <a:r>
-              <a:rPr lang="zh-CN" altLang="en-US" dirty="0" smtClean="0">
-                <a:latin typeface="Century" charset="0"/>
-                <a:ea typeface="Century" charset="0"/>
-                <a:cs typeface="Century" charset="0"/>
-              </a:rPr>
-              <a:t> </a:t>
-            </a:r>
-            <a:r>
-              <a:rPr lang="en-US" altLang="zh-CN" dirty="0" smtClean="0">
-                <a:latin typeface="Century" charset="0"/>
-                <a:ea typeface="Century" charset="0"/>
-                <a:cs typeface="Century" charset="0"/>
-              </a:rPr>
-              <a:t>result</a:t>
-            </a:r>
-            <a:r>
-              <a:rPr lang="zh-CN" altLang="en-US" dirty="0" smtClean="0">
-                <a:latin typeface="Century" charset="0"/>
-                <a:ea typeface="Century" charset="0"/>
-                <a:cs typeface="Century" charset="0"/>
-              </a:rPr>
-              <a:t> </a:t>
-            </a:r>
-            <a:r>
-              <a:rPr lang="en-US" altLang="zh-CN" dirty="0" smtClean="0">
-                <a:latin typeface="Century" charset="0"/>
-                <a:ea typeface="Century" charset="0"/>
-                <a:cs typeface="Century" charset="0"/>
-              </a:rPr>
-              <a:t>are</a:t>
-            </a:r>
-            <a:r>
-              <a:rPr lang="zh-CN" altLang="en-US" dirty="0" smtClean="0">
-                <a:latin typeface="Century" charset="0"/>
-                <a:ea typeface="Century" charset="0"/>
-                <a:cs typeface="Century" charset="0"/>
-              </a:rPr>
-              <a:t> </a:t>
-            </a:r>
-            <a:r>
-              <a:rPr lang="en-US" altLang="zh-CN" dirty="0" smtClean="0">
-                <a:latin typeface="Century" charset="0"/>
-                <a:ea typeface="Century" charset="0"/>
-                <a:cs typeface="Century" charset="0"/>
-              </a:rPr>
-              <a:t>cities</a:t>
-            </a:r>
-            <a:r>
-              <a:rPr lang="zh-CN" altLang="en-US" dirty="0" smtClean="0">
-                <a:latin typeface="Century" charset="0"/>
-                <a:ea typeface="Century" charset="0"/>
-                <a:cs typeface="Century" charset="0"/>
-              </a:rPr>
-              <a:t> </a:t>
-            </a:r>
-            <a:r>
-              <a:rPr lang="en-US" altLang="zh-CN" dirty="0" smtClean="0">
-                <a:latin typeface="Century" charset="0"/>
-                <a:ea typeface="Century" charset="0"/>
-                <a:cs typeface="Century" charset="0"/>
-              </a:rPr>
-              <a:t>with</a:t>
-            </a:r>
-            <a:r>
-              <a:rPr lang="zh-CN" altLang="en-US" dirty="0" smtClean="0">
-                <a:latin typeface="Century" charset="0"/>
-                <a:ea typeface="Century" charset="0"/>
-                <a:cs typeface="Century" charset="0"/>
-              </a:rPr>
-              <a:t> </a:t>
-            </a:r>
-            <a:r>
-              <a:rPr lang="en-US" altLang="zh-CN" dirty="0" smtClean="0">
-                <a:latin typeface="Century" charset="0"/>
-                <a:ea typeface="Century" charset="0"/>
-                <a:cs typeface="Century" charset="0"/>
-              </a:rPr>
-              <a:t>mostly</a:t>
-            </a:r>
-            <a:r>
-              <a:rPr lang="zh-CN" altLang="en-US" dirty="0" smtClean="0">
-                <a:latin typeface="Century" charset="0"/>
-                <a:ea typeface="Century" charset="0"/>
-                <a:cs typeface="Century" charset="0"/>
-              </a:rPr>
-              <a:t> </a:t>
-            </a:r>
-            <a:r>
-              <a:rPr lang="en-US" altLang="zh-CN" dirty="0" smtClean="0">
-                <a:latin typeface="Century" charset="0"/>
-                <a:ea typeface="Century" charset="0"/>
-                <a:cs typeface="Century" charset="0"/>
-              </a:rPr>
-              <a:t>white</a:t>
-            </a:r>
-            <a:r>
-              <a:rPr lang="zh-CN" altLang="en-US" dirty="0" smtClean="0">
-                <a:latin typeface="Century" charset="0"/>
-                <a:ea typeface="Century" charset="0"/>
-                <a:cs typeface="Century" charset="0"/>
-              </a:rPr>
-              <a:t> </a:t>
-            </a:r>
-            <a:r>
-              <a:rPr lang="en-US" altLang="zh-CN" dirty="0" smtClean="0">
-                <a:latin typeface="Century" charset="0"/>
-                <a:ea typeface="Century" charset="0"/>
-                <a:cs typeface="Century" charset="0"/>
-              </a:rPr>
-              <a:t>population</a:t>
-            </a:r>
-            <a:r>
-              <a:rPr lang="zh-CN" altLang="en-US" dirty="0" smtClean="0">
-                <a:latin typeface="Century" charset="0"/>
-                <a:ea typeface="Century" charset="0"/>
-                <a:cs typeface="Century" charset="0"/>
-              </a:rPr>
-              <a:t> </a:t>
-            </a:r>
-            <a:r>
-              <a:rPr lang="en-US" altLang="zh-CN" dirty="0" smtClean="0">
-                <a:latin typeface="Century" charset="0"/>
-                <a:ea typeface="Century" charset="0"/>
-                <a:cs typeface="Century" charset="0"/>
-              </a:rPr>
-              <a:t>and</a:t>
-            </a:r>
-            <a:r>
-              <a:rPr lang="zh-CN" altLang="en-US" dirty="0" smtClean="0">
-                <a:latin typeface="Century" charset="0"/>
-                <a:ea typeface="Century" charset="0"/>
-                <a:cs typeface="Century" charset="0"/>
-              </a:rPr>
-              <a:t> </a:t>
-            </a:r>
-            <a:r>
-              <a:rPr lang="en-US" altLang="zh-CN" dirty="0" smtClean="0">
-                <a:latin typeface="Century" charset="0"/>
-                <a:ea typeface="Century" charset="0"/>
-                <a:cs typeface="Century" charset="0"/>
-              </a:rPr>
-              <a:t>youth,</a:t>
-            </a:r>
-            <a:r>
-              <a:rPr lang="zh-CN" altLang="en-US" dirty="0" smtClean="0">
-                <a:latin typeface="Century" charset="0"/>
-                <a:ea typeface="Century" charset="0"/>
-                <a:cs typeface="Century" charset="0"/>
-              </a:rPr>
-              <a:t> </a:t>
-            </a:r>
-            <a:r>
-              <a:rPr lang="en-US" altLang="zh-CN" dirty="0" smtClean="0">
-                <a:latin typeface="Century" charset="0"/>
-                <a:ea typeface="Century" charset="0"/>
-                <a:cs typeface="Century" charset="0"/>
-              </a:rPr>
-              <a:t>whose</a:t>
-            </a:r>
-            <a:r>
-              <a:rPr lang="zh-CN" altLang="en-US" dirty="0" smtClean="0">
-                <a:latin typeface="Century" charset="0"/>
-                <a:ea typeface="Century" charset="0"/>
-                <a:cs typeface="Century" charset="0"/>
-              </a:rPr>
-              <a:t> </a:t>
-            </a:r>
-            <a:r>
-              <a:rPr lang="en-US" altLang="zh-CN" dirty="0" smtClean="0">
-                <a:latin typeface="Century" charset="0"/>
-                <a:ea typeface="Century" charset="0"/>
-                <a:cs typeface="Century" charset="0"/>
-              </a:rPr>
-              <a:t>local</a:t>
-            </a:r>
-            <a:r>
-              <a:rPr lang="zh-CN" altLang="en-US" dirty="0" smtClean="0">
-                <a:latin typeface="Century" charset="0"/>
-                <a:ea typeface="Century" charset="0"/>
-                <a:cs typeface="Century" charset="0"/>
-              </a:rPr>
-              <a:t> </a:t>
-            </a:r>
-            <a:r>
-              <a:rPr lang="en-US" altLang="zh-CN" dirty="0" smtClean="0">
-                <a:latin typeface="Century" charset="0"/>
-                <a:ea typeface="Century" charset="0"/>
-                <a:cs typeface="Century" charset="0"/>
-              </a:rPr>
-              <a:t>economy</a:t>
-            </a:r>
-            <a:r>
-              <a:rPr lang="zh-CN" altLang="en-US" dirty="0" smtClean="0">
-                <a:latin typeface="Century" charset="0"/>
-                <a:ea typeface="Century" charset="0"/>
-                <a:cs typeface="Century" charset="0"/>
-              </a:rPr>
-              <a:t> </a:t>
-            </a:r>
-            <a:r>
-              <a:rPr lang="en-US" altLang="zh-CN" dirty="0" smtClean="0">
-                <a:latin typeface="Century" charset="0"/>
-                <a:ea typeface="Century" charset="0"/>
-                <a:cs typeface="Century" charset="0"/>
-              </a:rPr>
-              <a:t>is</a:t>
-            </a:r>
-            <a:r>
-              <a:rPr lang="zh-CN" altLang="en-US" dirty="0" smtClean="0">
-                <a:latin typeface="Century" charset="0"/>
-                <a:ea typeface="Century" charset="0"/>
-                <a:cs typeface="Century" charset="0"/>
-              </a:rPr>
-              <a:t> </a:t>
-            </a:r>
-            <a:r>
-              <a:rPr lang="en-US" altLang="zh-CN" dirty="0" smtClean="0">
-                <a:latin typeface="Century" charset="0"/>
-                <a:ea typeface="Century" charset="0"/>
-                <a:cs typeface="Century" charset="0"/>
-              </a:rPr>
-              <a:t>under-developing</a:t>
-            </a:r>
-            <a:endParaRPr kumimoji="0" lang="en-US" sz="1400" b="0" i="0" u="none" strike="noStrike" cap="none" spc="0" normalizeH="0" baseline="0" dirty="0">
-              <a:ln>
-                <a:noFill/>
-              </a:ln>
-              <a:solidFill>
-                <a:srgbClr val="000000"/>
-              </a:solidFill>
-              <a:effectLst/>
-              <a:uFillTx/>
-              <a:latin typeface="Century" charset="0"/>
-              <a:ea typeface="Century" charset="0"/>
-              <a:cs typeface="Century" charset="0"/>
-              <a:sym typeface="Arial"/>
-            </a:endParaRPr>
-          </a:p>
-        </p:txBody>
-      </p:sp>
-      <p:pic>
-        <p:nvPicPr>
-          <p:cNvPr id="2" name="Picture 1"/>
-          <p:cNvPicPr>
-            <a:picLocks noChangeAspect="1"/>
-          </p:cNvPicPr>
-          <p:nvPr/>
-        </p:nvPicPr>
-        <p:blipFill>
-          <a:blip r:embed="rId3" cstate="print">
-            <a:extLst>
-              <a:ext uri="{28A0092B-C50C-407E-A947-70E740481C1C}">
-                <a14:useLocalDpi xmlns:a14="http://schemas.microsoft.com/office/drawing/2010/main" val="0"/>
-              </a:ext>
-            </a:extLst>
-          </a:blip>
-          <a:stretch>
-            <a:fillRect/>
-          </a:stretch>
-        </p:blipFill>
-        <p:spPr>
-          <a:xfrm>
-            <a:off x="502106" y="1788450"/>
-            <a:ext cx="2832246" cy="4688550"/>
-          </a:xfrm>
-          <a:prstGeom prst="rect">
-            <a:avLst/>
-          </a:prstGeom>
-        </p:spPr>
-      </p:pic>
-      <p:pic>
-        <p:nvPicPr>
-          <p:cNvPr id="5" name="Picture 4"/>
-          <p:cNvPicPr>
-            <a:picLocks noChangeAspect="1"/>
-          </p:cNvPicPr>
-          <p:nvPr/>
-        </p:nvPicPr>
-        <p:blipFill>
-          <a:blip r:embed="rId4">
-            <a:extLst>
-              <a:ext uri="{28A0092B-C50C-407E-A947-70E740481C1C}">
-                <a14:useLocalDpi xmlns:a14="http://schemas.microsoft.com/office/drawing/2010/main" val="0"/>
-              </a:ext>
-            </a:extLst>
-          </a:blip>
-          <a:stretch>
-            <a:fillRect/>
-          </a:stretch>
-        </p:blipFill>
-        <p:spPr>
-          <a:xfrm>
-            <a:off x="3597878" y="1829985"/>
-            <a:ext cx="5000519" cy="3422072"/>
-          </a:xfrm>
-          <a:prstGeom prst="rect">
-            <a:avLst/>
-          </a:prstGeom>
-        </p:spPr>
-      </p:pic>
-    </p:spTree>
-    <p:extLst>
-      <p:ext uri="{BB962C8B-B14F-4D97-AF65-F5344CB8AC3E}">
-        <p14:creationId xmlns:p14="http://schemas.microsoft.com/office/powerpoint/2010/main" val="1792518323"/>
       </p:ext>
     </p:extLst>
   </p:cSld>

--- a/Slides_final.pptx
+++ b/Slides_final.pptx
@@ -9930,36 +9930,6 @@
                 <a:spcPts val="400"/>
               </a:spcBef>
               <a:buSzTx/>
-              <a:buNone/>
-              <a:defRPr sz="2000">
-                <a:latin typeface="Century"/>
-                <a:ea typeface="Century"/>
-                <a:cs typeface="Century"/>
-                <a:sym typeface="Century"/>
-              </a:defRPr>
-            </a:pPr>
-            <a:r>
-              <a:rPr lang="en-US" sz="1400" dirty="0"/>
-              <a:t>NYU CIMS (Currently running</a:t>
-            </a:r>
-            <a:r>
-              <a:rPr lang="en-US" sz="1400" dirty="0" smtClean="0"/>
-              <a:t>):</a:t>
-            </a:r>
-            <a:r>
-              <a:rPr lang="en-US" sz="1400" dirty="0">
-                <a:hlinkClick r:id="rId2"/>
-              </a:rPr>
-              <a:t>http://linserv2.cims.nyu.edu:26292</a:t>
-            </a:r>
-            <a:endParaRPr lang="en-US" sz="1400" dirty="0"/>
-          </a:p>
-          <a:p>
-            <a:pPr marL="0" indent="0">
-              <a:spcBef>
-                <a:spcPts val="400"/>
-              </a:spcBef>
-              <a:buSzTx/>
               <a:buFont typeface="Wingdings"/>
               <a:buNone/>
               <a:defRPr sz="2000">
@@ -10003,7 +9973,7 @@
           <p:nvPr/>
         </p:nvPicPr>
         <p:blipFill>
-          <a:blip r:embed="rId3"/>
+          <a:blip r:embed="rId2"/>
           <a:stretch>
             <a:fillRect/>
           </a:stretch>
@@ -10027,7 +9997,7 @@
           <p:nvPr/>
         </p:nvPicPr>
         <p:blipFill>
-          <a:blip r:embed="rId4">
+          <a:blip r:embed="rId3">
             <a:extLst>
               <a:ext uri="{28A0092B-C50C-407E-A947-70E740481C1C}">
                 <a14:useLocalDpi xmlns:a14="http://schemas.microsoft.com/office/drawing/2010/main" val="0"/>
